--- a/Praesi/Digitales Theremin.pptx
+++ b/Praesi/Digitales Theremin.pptx
@@ -220,7 +220,7 @@
           <a:p>
             <a:fld id="{4F6A71F5-E6D9-4084-8738-38AAC0210A80}" type="datetimeFigureOut">
               <a:rPr lang="de-CH" smtClean="0"/>
-              <a:t>05.09.2020</a:t>
+              <a:t>09.09.2020</a:t>
             </a:fld>
             <a:endParaRPr lang="de-CH"/>
           </a:p>
@@ -1293,7 +1293,7 @@
           <a:p>
             <a:fld id="{CBF0EB22-9355-4E16-8B44-2211E8112CFE}" type="datetimeFigureOut">
               <a:rPr lang="de-CH" smtClean="0"/>
-              <a:t>05.09.2020</a:t>
+              <a:t>09.09.2020</a:t>
             </a:fld>
             <a:endParaRPr lang="de-CH"/>
           </a:p>
@@ -1493,7 +1493,7 @@
           <a:p>
             <a:fld id="{CBF0EB22-9355-4E16-8B44-2211E8112CFE}" type="datetimeFigureOut">
               <a:rPr lang="de-CH" smtClean="0"/>
-              <a:t>05.09.2020</a:t>
+              <a:t>09.09.2020</a:t>
             </a:fld>
             <a:endParaRPr lang="de-CH"/>
           </a:p>
@@ -1703,7 +1703,7 @@
           <a:p>
             <a:fld id="{CBF0EB22-9355-4E16-8B44-2211E8112CFE}" type="datetimeFigureOut">
               <a:rPr lang="de-CH" smtClean="0"/>
-              <a:t>05.09.2020</a:t>
+              <a:t>09.09.2020</a:t>
             </a:fld>
             <a:endParaRPr lang="de-CH"/>
           </a:p>
@@ -1903,7 +1903,7 @@
           <a:p>
             <a:fld id="{CBF0EB22-9355-4E16-8B44-2211E8112CFE}" type="datetimeFigureOut">
               <a:rPr lang="de-CH" smtClean="0"/>
-              <a:t>05.09.2020</a:t>
+              <a:t>09.09.2020</a:t>
             </a:fld>
             <a:endParaRPr lang="de-CH"/>
           </a:p>
@@ -2179,7 +2179,7 @@
           <a:p>
             <a:fld id="{CBF0EB22-9355-4E16-8B44-2211E8112CFE}" type="datetimeFigureOut">
               <a:rPr lang="de-CH" smtClean="0"/>
-              <a:t>05.09.2020</a:t>
+              <a:t>09.09.2020</a:t>
             </a:fld>
             <a:endParaRPr lang="de-CH"/>
           </a:p>
@@ -2447,7 +2447,7 @@
           <a:p>
             <a:fld id="{CBF0EB22-9355-4E16-8B44-2211E8112CFE}" type="datetimeFigureOut">
               <a:rPr lang="de-CH" smtClean="0"/>
-              <a:t>05.09.2020</a:t>
+              <a:t>09.09.2020</a:t>
             </a:fld>
             <a:endParaRPr lang="de-CH"/>
           </a:p>
@@ -2862,7 +2862,7 @@
           <a:p>
             <a:fld id="{CBF0EB22-9355-4E16-8B44-2211E8112CFE}" type="datetimeFigureOut">
               <a:rPr lang="de-CH" smtClean="0"/>
-              <a:t>05.09.2020</a:t>
+              <a:t>09.09.2020</a:t>
             </a:fld>
             <a:endParaRPr lang="de-CH"/>
           </a:p>
@@ -3004,7 +3004,7 @@
           <a:p>
             <a:fld id="{CBF0EB22-9355-4E16-8B44-2211E8112CFE}" type="datetimeFigureOut">
               <a:rPr lang="de-CH" smtClean="0"/>
-              <a:t>05.09.2020</a:t>
+              <a:t>09.09.2020</a:t>
             </a:fld>
             <a:endParaRPr lang="de-CH"/>
           </a:p>
@@ -3117,7 +3117,7 @@
           <a:p>
             <a:fld id="{CBF0EB22-9355-4E16-8B44-2211E8112CFE}" type="datetimeFigureOut">
               <a:rPr lang="de-CH" smtClean="0"/>
-              <a:t>05.09.2020</a:t>
+              <a:t>09.09.2020</a:t>
             </a:fld>
             <a:endParaRPr lang="de-CH"/>
           </a:p>
@@ -3430,7 +3430,7 @@
           <a:p>
             <a:fld id="{CBF0EB22-9355-4E16-8B44-2211E8112CFE}" type="datetimeFigureOut">
               <a:rPr lang="de-CH" smtClean="0"/>
-              <a:t>05.09.2020</a:t>
+              <a:t>09.09.2020</a:t>
             </a:fld>
             <a:endParaRPr lang="de-CH"/>
           </a:p>
@@ -3719,7 +3719,7 @@
           <a:p>
             <a:fld id="{CBF0EB22-9355-4E16-8B44-2211E8112CFE}" type="datetimeFigureOut">
               <a:rPr lang="de-CH" smtClean="0"/>
-              <a:t>05.09.2020</a:t>
+              <a:t>09.09.2020</a:t>
             </a:fld>
             <a:endParaRPr lang="de-CH"/>
           </a:p>
@@ -3962,7 +3962,7 @@
           <a:p>
             <a:fld id="{CBF0EB22-9355-4E16-8B44-2211E8112CFE}" type="datetimeFigureOut">
               <a:rPr lang="de-CH" smtClean="0"/>
-              <a:t>05.09.2020</a:t>
+              <a:t>09.09.2020</a:t>
             </a:fld>
             <a:endParaRPr lang="de-CH"/>
           </a:p>
@@ -5744,13 +5744,13 @@
           <a:p>
             <a:r>
               <a:rPr lang="de-CH" dirty="0"/>
+              <a:t>Für optimales Spielen</a:t>
+            </a:r>
+          </a:p>
+          <a:p>
+            <a:r>
+              <a:rPr lang="de-CH" dirty="0"/>
               <a:t>Oszillatoren abstimmen</a:t>
-            </a:r>
-          </a:p>
-          <a:p>
-            <a:r>
-              <a:rPr lang="de-CH" dirty="0"/>
-              <a:t>Für optimales Spielen</a:t>
             </a:r>
           </a:p>
         </p:txBody>
@@ -5904,6 +5904,12 @@
         <p:txBody>
           <a:bodyPr/>
           <a:lstStyle/>
+          <a:p>
+            <a:r>
+              <a:rPr lang="de-CH" dirty="0"/>
+              <a:t>Genaue Frequenzmessung nötig</a:t>
+            </a:r>
+          </a:p>
           <a:p>
             <a:r>
               <a:rPr lang="de-CH" dirty="0"/>

--- a/Praesi/Digitales Theremin.pptx
+++ b/Praesi/Digitales Theremin.pptx
@@ -11,7 +11,7 @@
     <p:sldId id="268" r:id="rId2"/>
     <p:sldId id="256" r:id="rId3"/>
     <p:sldId id="277" r:id="rId4"/>
-    <p:sldId id="278" r:id="rId5"/>
+    <p:sldId id="281" r:id="rId5"/>
     <p:sldId id="259" r:id="rId6"/>
     <p:sldId id="271" r:id="rId7"/>
     <p:sldId id="272" r:id="rId8"/>
@@ -5485,17 +5485,19 @@
         </p:nvSpPr>
         <p:spPr>
           <a:xfrm>
-            <a:off x="838200" y="1825625"/>
-            <a:ext cx="10515600" cy="4351338"/>
+            <a:off x="838200" y="1885680"/>
+            <a:ext cx="10515600" cy="1716228"/>
           </a:xfrm>
         </p:spPr>
         <p:txBody>
-          <a:bodyPr/>
+          <a:bodyPr numCol="2">
+            <a:normAutofit/>
+          </a:bodyPr>
           <a:lstStyle/>
           <a:p>
             <a:r>
               <a:rPr lang="de-CH" dirty="0"/>
-              <a:t>digital</a:t>
+              <a:t>Digital  				</a:t>
             </a:r>
           </a:p>
           <a:p>
@@ -5505,6 +5507,9 @@
             </a:r>
           </a:p>
           <a:p>
+            <a:endParaRPr lang="de-CH" dirty="0"/>
+          </a:p>
+          <a:p>
             <a:r>
               <a:rPr lang="de-CH" dirty="0"/>
               <a:t>Zusatzfunktionen</a:t>
@@ -5521,10 +5526,46 @@
           </a:p>
         </p:txBody>
       </p:sp>
+      <p:pic>
+        <p:nvPicPr>
+          <p:cNvPr id="10" name="Grafik 9">
+            <a:extLst>
+              <a:ext uri="{FF2B5EF4-FFF2-40B4-BE49-F238E27FC236}">
+                <a16:creationId xmlns:a16="http://schemas.microsoft.com/office/drawing/2014/main" id="{9F2CD2E3-042F-4613-A6C0-1B1C99E09657}"/>
+              </a:ext>
+            </a:extLst>
+          </p:cNvPr>
+          <p:cNvPicPr>
+            <a:picLocks noChangeAspect="1"/>
+          </p:cNvPicPr>
+          <p:nvPr/>
+        </p:nvPicPr>
+        <p:blipFill>
+          <a:blip r:embed="rId3">
+            <a:extLst>
+              <a:ext uri="{28A0092B-C50C-407E-A947-70E740481C1C}">
+                <a14:useLocalDpi xmlns:a14="http://schemas.microsoft.com/office/drawing/2010/main" val="0"/>
+              </a:ext>
+            </a:extLst>
+          </a:blip>
+          <a:stretch>
+            <a:fillRect/>
+          </a:stretch>
+        </p:blipFill>
+        <p:spPr>
+          <a:xfrm>
+            <a:off x="838200" y="982153"/>
+            <a:ext cx="10173849" cy="14388174"/>
+          </a:xfrm>
+          <a:prstGeom prst="rect">
+            <a:avLst/>
+          </a:prstGeom>
+        </p:spPr>
+      </p:pic>
     </p:spTree>
     <p:extLst>
       <p:ext uri="{BB962C8B-B14F-4D97-AF65-F5344CB8AC3E}">
-        <p14:creationId xmlns:p14="http://schemas.microsoft.com/office/powerpoint/2010/main" val="4152684690"/>
+        <p14:creationId xmlns:p14="http://schemas.microsoft.com/office/powerpoint/2010/main" val="2681603516"/>
       </p:ext>
     </p:extLst>
   </p:cSld>

--- a/Praesi/Digitales Theremin.pptx
+++ b/Praesi/Digitales Theremin.pptx
@@ -220,7 +220,7 @@
           <a:p>
             <a:fld id="{4F6A71F5-E6D9-4084-8738-38AAC0210A80}" type="datetimeFigureOut">
               <a:rPr lang="de-CH" smtClean="0"/>
-              <a:t>09.09.2020</a:t>
+              <a:t>10.09.2020</a:t>
             </a:fld>
             <a:endParaRPr lang="de-CH"/>
           </a:p>
@@ -1293,7 +1293,7 @@
           <a:p>
             <a:fld id="{CBF0EB22-9355-4E16-8B44-2211E8112CFE}" type="datetimeFigureOut">
               <a:rPr lang="de-CH" smtClean="0"/>
-              <a:t>09.09.2020</a:t>
+              <a:t>10.09.2020</a:t>
             </a:fld>
             <a:endParaRPr lang="de-CH"/>
           </a:p>
@@ -1493,7 +1493,7 @@
           <a:p>
             <a:fld id="{CBF0EB22-9355-4E16-8B44-2211E8112CFE}" type="datetimeFigureOut">
               <a:rPr lang="de-CH" smtClean="0"/>
-              <a:t>09.09.2020</a:t>
+              <a:t>10.09.2020</a:t>
             </a:fld>
             <a:endParaRPr lang="de-CH"/>
           </a:p>
@@ -1703,7 +1703,7 @@
           <a:p>
             <a:fld id="{CBF0EB22-9355-4E16-8B44-2211E8112CFE}" type="datetimeFigureOut">
               <a:rPr lang="de-CH" smtClean="0"/>
-              <a:t>09.09.2020</a:t>
+              <a:t>10.09.2020</a:t>
             </a:fld>
             <a:endParaRPr lang="de-CH"/>
           </a:p>
@@ -1903,7 +1903,7 @@
           <a:p>
             <a:fld id="{CBF0EB22-9355-4E16-8B44-2211E8112CFE}" type="datetimeFigureOut">
               <a:rPr lang="de-CH" smtClean="0"/>
-              <a:t>09.09.2020</a:t>
+              <a:t>10.09.2020</a:t>
             </a:fld>
             <a:endParaRPr lang="de-CH"/>
           </a:p>
@@ -2179,7 +2179,7 @@
           <a:p>
             <a:fld id="{CBF0EB22-9355-4E16-8B44-2211E8112CFE}" type="datetimeFigureOut">
               <a:rPr lang="de-CH" smtClean="0"/>
-              <a:t>09.09.2020</a:t>
+              <a:t>10.09.2020</a:t>
             </a:fld>
             <a:endParaRPr lang="de-CH"/>
           </a:p>
@@ -2447,7 +2447,7 @@
           <a:p>
             <a:fld id="{CBF0EB22-9355-4E16-8B44-2211E8112CFE}" type="datetimeFigureOut">
               <a:rPr lang="de-CH" smtClean="0"/>
-              <a:t>09.09.2020</a:t>
+              <a:t>10.09.2020</a:t>
             </a:fld>
             <a:endParaRPr lang="de-CH"/>
           </a:p>
@@ -2862,7 +2862,7 @@
           <a:p>
             <a:fld id="{CBF0EB22-9355-4E16-8B44-2211E8112CFE}" type="datetimeFigureOut">
               <a:rPr lang="de-CH" smtClean="0"/>
-              <a:t>09.09.2020</a:t>
+              <a:t>10.09.2020</a:t>
             </a:fld>
             <a:endParaRPr lang="de-CH"/>
           </a:p>
@@ -3004,7 +3004,7 @@
           <a:p>
             <a:fld id="{CBF0EB22-9355-4E16-8B44-2211E8112CFE}" type="datetimeFigureOut">
               <a:rPr lang="de-CH" smtClean="0"/>
-              <a:t>09.09.2020</a:t>
+              <a:t>10.09.2020</a:t>
             </a:fld>
             <a:endParaRPr lang="de-CH"/>
           </a:p>
@@ -3117,7 +3117,7 @@
           <a:p>
             <a:fld id="{CBF0EB22-9355-4E16-8B44-2211E8112CFE}" type="datetimeFigureOut">
               <a:rPr lang="de-CH" smtClean="0"/>
-              <a:t>09.09.2020</a:t>
+              <a:t>10.09.2020</a:t>
             </a:fld>
             <a:endParaRPr lang="de-CH"/>
           </a:p>
@@ -3430,7 +3430,7 @@
           <a:p>
             <a:fld id="{CBF0EB22-9355-4E16-8B44-2211E8112CFE}" type="datetimeFigureOut">
               <a:rPr lang="de-CH" smtClean="0"/>
-              <a:t>09.09.2020</a:t>
+              <a:t>10.09.2020</a:t>
             </a:fld>
             <a:endParaRPr lang="de-CH"/>
           </a:p>
@@ -3719,7 +3719,7 @@
           <a:p>
             <a:fld id="{CBF0EB22-9355-4E16-8B44-2211E8112CFE}" type="datetimeFigureOut">
               <a:rPr lang="de-CH" smtClean="0"/>
-              <a:t>09.09.2020</a:t>
+              <a:t>10.09.2020</a:t>
             </a:fld>
             <a:endParaRPr lang="de-CH"/>
           </a:p>
@@ -3962,7 +3962,7 @@
           <a:p>
             <a:fld id="{CBF0EB22-9355-4E16-8B44-2211E8112CFE}" type="datetimeFigureOut">
               <a:rPr lang="de-CH" smtClean="0"/>
-              <a:t>09.09.2020</a:t>
+              <a:t>10.09.2020</a:t>
             </a:fld>
             <a:endParaRPr lang="de-CH"/>
           </a:p>
@@ -4435,7 +4435,7 @@
           <p:nvPr/>
         </p:nvPicPr>
         <p:blipFill>
-          <a:blip r:embed="rId3">
+          <a:blip r:embed="rId5">
             <a:extLst>
               <a:ext uri="{28A0092B-C50C-407E-A947-70E740481C1C}">
                 <a14:useLocalDpi xmlns:a14="http://schemas.microsoft.com/office/drawing/2010/main" val="0"/>
@@ -4467,6 +4467,44 @@
           </a:extLst>
         </p:spPr>
       </p:pic>
+      <p:pic>
+        <p:nvPicPr>
+          <p:cNvPr id="3" name="FinishedSound">
+            <a:hlinkClick r:id="" action="ppaction://media"/>
+            <a:extLst>
+              <a:ext uri="{FF2B5EF4-FFF2-40B4-BE49-F238E27FC236}">
+                <a16:creationId xmlns:a16="http://schemas.microsoft.com/office/drawing/2014/main" id="{984CB11D-B3FA-4157-9445-86A9BB2D3E20}"/>
+              </a:ext>
+            </a:extLst>
+          </p:cNvPr>
+          <p:cNvPicPr>
+            <a:picLocks noChangeAspect="1"/>
+          </p:cNvPicPr>
+          <p:nvPr>
+            <a:audioFile r:link="rId2"/>
+            <p:extLst>
+              <p:ext uri="{DAA4B4D4-6D71-4841-9C94-3DE7FCFB9230}">
+                <p14:media xmlns:p14="http://schemas.microsoft.com/office/powerpoint/2010/main" r:embed="rId1"/>
+              </p:ext>
+            </p:extLst>
+          </p:nvPr>
+        </p:nvPicPr>
+        <p:blipFill>
+          <a:blip r:embed="rId6"/>
+          <a:stretch>
+            <a:fillRect/>
+          </a:stretch>
+        </p:blipFill>
+        <p:spPr>
+          <a:xfrm>
+            <a:off x="10174950" y="5253022"/>
+            <a:ext cx="487363" cy="487363"/>
+          </a:xfrm>
+          <a:prstGeom prst="rect">
+            <a:avLst/>
+          </a:prstGeom>
+        </p:spPr>
+      </p:pic>
     </p:spTree>
     <p:extLst>
       <p:ext uri="{BB962C8B-B14F-4D97-AF65-F5344CB8AC3E}">
@@ -4477,6 +4515,90 @@
   <p:clrMapOvr>
     <a:masterClrMapping/>
   </p:clrMapOvr>
+  <p:timing>
+    <p:tnLst>
+      <p:par>
+        <p:cTn id="1" dur="indefinite" restart="never" nodeType="tmRoot">
+          <p:childTnLst>
+            <p:seq concurrent="1" nextAc="seek">
+              <p:cTn id="2" dur="indefinite" nodeType="mainSeq">
+                <p:childTnLst>
+                  <p:par>
+                    <p:cTn id="3" fill="hold">
+                      <p:stCondLst>
+                        <p:cond delay="indefinite"/>
+                      </p:stCondLst>
+                      <p:childTnLst>
+                        <p:par>
+                          <p:cTn id="4" fill="hold">
+                            <p:stCondLst>
+                              <p:cond delay="0"/>
+                            </p:stCondLst>
+                            <p:childTnLst>
+                              <p:par>
+                                <p:cTn id="5" presetID="1" presetClass="mediacall" presetSubtype="0" fill="hold" nodeType="clickEffect">
+                                  <p:stCondLst>
+                                    <p:cond delay="0"/>
+                                  </p:stCondLst>
+                                  <p:childTnLst>
+                                    <p:cmd type="call" cmd="playFrom(0.0)">
+                                      <p:cBhvr>
+                                        <p:cTn id="6" dur="24973" fill="hold"/>
+                                        <p:tgtEl>
+                                          <p:spTgt spid="3"/>
+                                        </p:tgtEl>
+                                      </p:cBhvr>
+                                    </p:cmd>
+                                  </p:childTnLst>
+                                </p:cTn>
+                              </p:par>
+                            </p:childTnLst>
+                          </p:cTn>
+                        </p:par>
+                      </p:childTnLst>
+                    </p:cTn>
+                  </p:par>
+                </p:childTnLst>
+              </p:cTn>
+              <p:prevCondLst>
+                <p:cond evt="onPrev" delay="0">
+                  <p:tgtEl>
+                    <p:sldTgt/>
+                  </p:tgtEl>
+                </p:cond>
+              </p:prevCondLst>
+              <p:nextCondLst>
+                <p:cond evt="onNext" delay="0">
+                  <p:tgtEl>
+                    <p:sldTgt/>
+                  </p:tgtEl>
+                </p:cond>
+              </p:nextCondLst>
+            </p:seq>
+            <p:audio>
+              <p:cMediaNode vol="80000">
+                <p:cTn id="7" fill="hold" display="0">
+                  <p:stCondLst>
+                    <p:cond delay="indefinite"/>
+                  </p:stCondLst>
+                  <p:endCondLst>
+                    <p:cond evt="onStopAudio" delay="0">
+                      <p:tgtEl>
+                        <p:sldTgt/>
+                      </p:tgtEl>
+                    </p:cond>
+                  </p:endCondLst>
+                </p:cTn>
+                <p:tgtEl>
+                  <p:spTgt spid="3"/>
+                </p:tgtEl>
+              </p:cMediaNode>
+            </p:audio>
+          </p:childTnLst>
+        </p:cTn>
+      </p:par>
+    </p:tnLst>
+  </p:timing>
 </p:sld>
 </file>
 
@@ -4620,31 +4742,53 @@
           </a:p>
         </p:txBody>
       </p:sp>
-      <p:sp>
-        <p:nvSpPr>
-          <p:cNvPr id="3" name="Inhaltsplatzhalter 2">
-            <a:extLst>
-              <a:ext uri="{FF2B5EF4-FFF2-40B4-BE49-F238E27FC236}">
-                <a16:creationId xmlns:a16="http://schemas.microsoft.com/office/drawing/2014/main" id="{14D71EA1-F855-4F4F-999E-2D040A9D0214}"/>
-              </a:ext>
-            </a:extLst>
-          </p:cNvPr>
-          <p:cNvSpPr>
-            <a:spLocks noGrp="1"/>
-          </p:cNvSpPr>
-          <p:nvPr>
-            <p:ph idx="1"/>
-          </p:nvPr>
-        </p:nvSpPr>
-        <p:spPr/>
-        <p:txBody>
-          <a:bodyPr/>
-          <a:lstStyle/>
-          <a:p>
-            <a:endParaRPr lang="de-CH"/>
-          </a:p>
-        </p:txBody>
-      </p:sp>
+      <p:pic>
+        <p:nvPicPr>
+          <p:cNvPr id="1026" name="Picture 2" descr="Sheldon-Cooper-Black-Theremin-Sound-Instrument-in-The-Big-Bang-Theory-Scene  | Eighties Kids">
+            <a:extLst>
+              <a:ext uri="{FF2B5EF4-FFF2-40B4-BE49-F238E27FC236}">
+                <a16:creationId xmlns:a16="http://schemas.microsoft.com/office/drawing/2014/main" id="{7E584556-E221-4EB2-8560-C844879C61F9}"/>
+              </a:ext>
+            </a:extLst>
+          </p:cNvPr>
+          <p:cNvPicPr>
+            <a:picLocks noChangeAspect="1" noChangeArrowheads="1"/>
+          </p:cNvPicPr>
+          <p:nvPr/>
+        </p:nvPicPr>
+        <p:blipFill>
+          <a:blip r:embed="rId2">
+            <a:extLst>
+              <a:ext uri="{28A0092B-C50C-407E-A947-70E740481C1C}">
+                <a14:useLocalDpi xmlns:a14="http://schemas.microsoft.com/office/drawing/2010/main" val="0"/>
+              </a:ext>
+            </a:extLst>
+          </a:blip>
+          <a:srcRect/>
+          <a:stretch>
+            <a:fillRect/>
+          </a:stretch>
+        </p:blipFill>
+        <p:spPr bwMode="auto">
+          <a:xfrm>
+            <a:off x="6096000" y="616859"/>
+            <a:ext cx="5057688" cy="5624282"/>
+          </a:xfrm>
+          <a:prstGeom prst="rect">
+            <a:avLst/>
+          </a:prstGeom>
+          <a:noFill/>
+          <a:extLst>
+            <a:ext uri="{909E8E84-426E-40DD-AFC4-6F175D3DCCD1}">
+              <a14:hiddenFill xmlns:a14="http://schemas.microsoft.com/office/drawing/2010/main">
+                <a:solidFill>
+                  <a:srgbClr val="FFFFFF"/>
+                </a:solidFill>
+              </a14:hiddenFill>
+            </a:ext>
+          </a:extLst>
+        </p:spPr>
+      </p:pic>
     </p:spTree>
     <p:extLst>
       <p:ext uri="{BB962C8B-B14F-4D97-AF65-F5344CB8AC3E}">
@@ -5462,67 +5606,8 @@
           <a:p>
             <a:r>
               <a:rPr lang="de-CH" dirty="0"/>
-              <a:t>«Unser Theremin nach P6»</a:t>
-            </a:r>
-          </a:p>
-        </p:txBody>
-      </p:sp>
-      <p:sp>
-        <p:nvSpPr>
-          <p:cNvPr id="4" name="Inhaltsplatzhalter 2">
-            <a:extLst>
-              <a:ext uri="{FF2B5EF4-FFF2-40B4-BE49-F238E27FC236}">
-                <a16:creationId xmlns:a16="http://schemas.microsoft.com/office/drawing/2014/main" id="{7D4E7A7F-41FF-4358-9DCF-5144897C2046}"/>
-              </a:ext>
-            </a:extLst>
-          </p:cNvPr>
-          <p:cNvSpPr>
-            <a:spLocks noGrp="1"/>
-          </p:cNvSpPr>
-          <p:nvPr>
-            <p:ph idx="1"/>
-          </p:nvPr>
-        </p:nvSpPr>
-        <p:spPr>
-          <a:xfrm>
-            <a:off x="838200" y="1885680"/>
-            <a:ext cx="10515600" cy="1716228"/>
-          </a:xfrm>
-        </p:spPr>
-        <p:txBody>
-          <a:bodyPr numCol="2">
-            <a:normAutofit/>
-          </a:bodyPr>
-          <a:lstStyle/>
-          <a:p>
-            <a:r>
-              <a:rPr lang="de-CH" dirty="0"/>
-              <a:t>Digital  				</a:t>
-            </a:r>
-          </a:p>
-          <a:p>
-            <a:r>
-              <a:rPr lang="de-CH" dirty="0"/>
-              <a:t>Bedienung über Display</a:t>
-            </a:r>
-          </a:p>
-          <a:p>
-            <a:endParaRPr lang="de-CH" dirty="0"/>
-          </a:p>
-          <a:p>
-            <a:r>
-              <a:rPr lang="de-CH" dirty="0"/>
-              <a:t>Zusatzfunktionen</a:t>
-            </a:r>
-          </a:p>
-          <a:p>
-            <a:r>
-              <a:rPr lang="de-CH" dirty="0"/>
-              <a:t>Gehäuse</a:t>
-            </a:r>
-          </a:p>
-          <a:p>
-            <a:endParaRPr lang="de-CH" dirty="0"/>
+              <a:t>Das Theremin nach P6</a:t>
+            </a:r>
           </a:p>
         </p:txBody>
       </p:sp>
@@ -5562,6 +5647,68 @@
           </a:prstGeom>
         </p:spPr>
       </p:pic>
+      <p:sp>
+        <p:nvSpPr>
+          <p:cNvPr id="4" name="Inhaltsplatzhalter 2">
+            <a:extLst>
+              <a:ext uri="{FF2B5EF4-FFF2-40B4-BE49-F238E27FC236}">
+                <a16:creationId xmlns:a16="http://schemas.microsoft.com/office/drawing/2014/main" id="{7D4E7A7F-41FF-4358-9DCF-5144897C2046}"/>
+              </a:ext>
+            </a:extLst>
+          </p:cNvPr>
+          <p:cNvSpPr>
+            <a:spLocks noGrp="1"/>
+          </p:cNvSpPr>
+          <p:nvPr>
+            <p:ph idx="1"/>
+          </p:nvPr>
+        </p:nvSpPr>
+        <p:spPr>
+          <a:xfrm>
+            <a:off x="838200" y="1885680"/>
+            <a:ext cx="10515600" cy="1716228"/>
+          </a:xfrm>
+        </p:spPr>
+        <p:txBody>
+          <a:bodyPr numCol="2">
+            <a:normAutofit fontScale="92500" lnSpcReduction="20000"/>
+          </a:bodyPr>
+          <a:lstStyle/>
+          <a:p>
+            <a:r>
+              <a:rPr lang="de-CH" dirty="0"/>
+              <a:t>Digital  				</a:t>
+            </a:r>
+          </a:p>
+          <a:p>
+            <a:r>
+              <a:rPr lang="de-CH" dirty="0"/>
+              <a:t>Bedienung über Display</a:t>
+            </a:r>
+          </a:p>
+          <a:p>
+            <a:endParaRPr lang="de-CH" dirty="0"/>
+          </a:p>
+          <a:p>
+            <a:endParaRPr lang="de-CH" dirty="0"/>
+          </a:p>
+          <a:p>
+            <a:r>
+              <a:rPr lang="de-CH" dirty="0"/>
+              <a:t>Gehäuse</a:t>
+            </a:r>
+          </a:p>
+          <a:p>
+            <a:r>
+              <a:rPr lang="de-CH" dirty="0"/>
+              <a:t>Zusatzfunktionen</a:t>
+            </a:r>
+          </a:p>
+          <a:p>
+            <a:endParaRPr lang="de-CH" dirty="0"/>
+          </a:p>
+        </p:txBody>
+      </p:sp>
     </p:spTree>
     <p:extLst>
       <p:ext uri="{BB962C8B-B14F-4D97-AF65-F5344CB8AC3E}">
@@ -5615,7 +5762,7 @@
           <a:p>
             <a:r>
               <a:rPr lang="de-CH" dirty="0"/>
-              <a:t>Funktionen</a:t>
+              <a:t>Zusatzfunktionen</a:t>
             </a:r>
           </a:p>
         </p:txBody>
@@ -5832,41 +5979,78 @@
           </a:prstGeom>
         </p:spPr>
       </p:pic>
-      <p:sp>
-        <p:nvSpPr>
-          <p:cNvPr id="11" name="Textfeld 10">
-            <a:extLst>
-              <a:ext uri="{FF2B5EF4-FFF2-40B4-BE49-F238E27FC236}">
-                <a16:creationId xmlns:a16="http://schemas.microsoft.com/office/drawing/2014/main" id="{D6246D1C-E8A3-4A8F-B848-86C8CC272F8A}"/>
-              </a:ext>
-            </a:extLst>
-          </p:cNvPr>
-          <p:cNvSpPr txBox="1"/>
+      <p:pic>
+        <p:nvPicPr>
+          <p:cNvPr id="6" name="Grafik 5">
+            <a:extLst>
+              <a:ext uri="{FF2B5EF4-FFF2-40B4-BE49-F238E27FC236}">
+                <a16:creationId xmlns:a16="http://schemas.microsoft.com/office/drawing/2014/main" id="{8E3A72B0-6F47-437E-9243-A61B43C3EE49}"/>
+              </a:ext>
+            </a:extLst>
+          </p:cNvPr>
+          <p:cNvPicPr>
+            <a:picLocks noChangeAspect="1"/>
+          </p:cNvPicPr>
           <p:nvPr/>
-        </p:nvSpPr>
+        </p:nvPicPr>
+        <p:blipFill>
+          <a:blip r:embed="rId3">
+            <a:extLst>
+              <a:ext uri="{28A0092B-C50C-407E-A947-70E740481C1C}">
+                <a14:useLocalDpi xmlns:a14="http://schemas.microsoft.com/office/drawing/2010/main" val="0"/>
+              </a:ext>
+            </a:extLst>
+          </a:blip>
+          <a:stretch>
+            <a:fillRect/>
+          </a:stretch>
+        </p:blipFill>
         <p:spPr>
           <a:xfrm>
-            <a:off x="1452880" y="5445760"/>
-            <a:ext cx="2806025" cy="369332"/>
+            <a:off x="441101" y="5106423"/>
+            <a:ext cx="7131384" cy="745737"/>
           </a:xfrm>
           <a:prstGeom prst="rect">
             <a:avLst/>
           </a:prstGeom>
-          <a:noFill/>
         </p:spPr>
-        <p:txBody>
-          <a:bodyPr wrap="none" rtlCol="0">
-            <a:spAutoFit/>
-          </a:bodyPr>
-          <a:lstStyle/>
-          <a:p>
-            <a:r>
-              <a:rPr lang="de-CH" dirty="0"/>
-              <a:t>Bild einfügen für Kalibration</a:t>
-            </a:r>
-          </a:p>
-        </p:txBody>
-      </p:sp>
+      </p:pic>
+      <p:pic>
+        <p:nvPicPr>
+          <p:cNvPr id="7" name="Grafik 6">
+            <a:extLst>
+              <a:ext uri="{FF2B5EF4-FFF2-40B4-BE49-F238E27FC236}">
+                <a16:creationId xmlns:a16="http://schemas.microsoft.com/office/drawing/2014/main" id="{4BBBA4DD-8CCD-4711-A8A2-4FAB497A3956}"/>
+              </a:ext>
+            </a:extLst>
+          </p:cNvPr>
+          <p:cNvPicPr>
+            <a:picLocks noChangeAspect="1"/>
+          </p:cNvPicPr>
+          <p:nvPr/>
+        </p:nvPicPr>
+        <p:blipFill>
+          <a:blip r:embed="rId4">
+            <a:extLst>
+              <a:ext uri="{28A0092B-C50C-407E-A947-70E740481C1C}">
+                <a14:useLocalDpi xmlns:a14="http://schemas.microsoft.com/office/drawing/2010/main" val="0"/>
+              </a:ext>
+            </a:extLst>
+          </a:blip>
+          <a:stretch>
+            <a:fillRect/>
+          </a:stretch>
+        </p:blipFill>
+        <p:spPr>
+          <a:xfrm>
+            <a:off x="4938401" y="4703193"/>
+            <a:ext cx="920624" cy="677873"/>
+          </a:xfrm>
+          <a:prstGeom prst="rect">
+            <a:avLst/>
+          </a:prstGeom>
+        </p:spPr>
+      </p:pic>
     </p:spTree>
     <p:extLst>
       <p:ext uri="{BB962C8B-B14F-4D97-AF65-F5344CB8AC3E}">
@@ -5877,6 +6061,116 @@
   <p:clrMapOvr>
     <a:masterClrMapping/>
   </p:clrMapOvr>
+  <p:timing>
+    <p:tnLst>
+      <p:par>
+        <p:cTn id="1" dur="indefinite" restart="never" nodeType="tmRoot">
+          <p:childTnLst>
+            <p:seq concurrent="1" nextAc="seek">
+              <p:cTn id="2" dur="indefinite" nodeType="mainSeq">
+                <p:childTnLst>
+                  <p:par>
+                    <p:cTn id="3" fill="hold">
+                      <p:stCondLst>
+                        <p:cond delay="indefinite"/>
+                      </p:stCondLst>
+                      <p:childTnLst>
+                        <p:par>
+                          <p:cTn id="4" fill="hold">
+                            <p:stCondLst>
+                              <p:cond delay="0"/>
+                            </p:stCondLst>
+                            <p:childTnLst>
+                              <p:par>
+                                <p:cTn id="5" presetID="42" presetClass="path" presetSubtype="0" accel="50000" decel="50000" fill="hold" nodeType="clickEffect">
+                                  <p:stCondLst>
+                                    <p:cond delay="0"/>
+                                  </p:stCondLst>
+                                  <p:childTnLst>
+                                    <p:animMotion origin="layout" path="M 1.45833E-6 4.81481E-6 L -0.12995 0.00046 " pathEditMode="relative" rAng="0" ptsTypes="AA">
+                                      <p:cBhvr>
+                                        <p:cTn id="6" dur="2000" fill="hold"/>
+                                        <p:tgtEl>
+                                          <p:spTgt spid="7"/>
+                                        </p:tgtEl>
+                                        <p:attrNameLst>
+                                          <p:attrName>ppt_x</p:attrName>
+                                          <p:attrName>ppt_y</p:attrName>
+                                        </p:attrNameLst>
+                                      </p:cBhvr>
+                                      <p:rCtr x="-6497" y="23"/>
+                                    </p:animMotion>
+                                  </p:childTnLst>
+                                </p:cTn>
+                              </p:par>
+                            </p:childTnLst>
+                          </p:cTn>
+                        </p:par>
+                      </p:childTnLst>
+                    </p:cTn>
+                  </p:par>
+                  <p:par>
+                    <p:cTn id="7" fill="hold">
+                      <p:stCondLst>
+                        <p:cond delay="indefinite"/>
+                      </p:stCondLst>
+                      <p:childTnLst>
+                        <p:par>
+                          <p:cTn id="8" fill="hold">
+                            <p:stCondLst>
+                              <p:cond delay="0"/>
+                            </p:stCondLst>
+                            <p:childTnLst>
+                              <p:par>
+                                <p:cTn id="9" presetID="42" presetClass="path" presetSubtype="0" accel="50000" decel="50000" fill="hold" nodeType="clickEffect">
+                                  <p:stCondLst>
+                                    <p:cond delay="0"/>
+                                  </p:stCondLst>
+                                  <p:childTnLst>
+                                    <p:animMotion origin="layout" path="M -0.12995 0.00046 L -0.28125 0.00069 " pathEditMode="relative" rAng="0" ptsTypes="AA">
+                                      <p:cBhvr>
+                                        <p:cTn id="10" dur="2000" fill="hold"/>
+                                        <p:tgtEl>
+                                          <p:spTgt spid="7"/>
+                                        </p:tgtEl>
+                                        <p:attrNameLst>
+                                          <p:attrName>ppt_x</p:attrName>
+                                          <p:attrName>ppt_y</p:attrName>
+                                        </p:attrNameLst>
+                                      </p:cBhvr>
+                                      <p:rCtr x="-7565" y="0"/>
+                                    </p:animMotion>
+                                  </p:childTnLst>
+                                </p:cTn>
+                              </p:par>
+                            </p:childTnLst>
+                          </p:cTn>
+                        </p:par>
+                      </p:childTnLst>
+                    </p:cTn>
+                  </p:par>
+                </p:childTnLst>
+              </p:cTn>
+              <p:prevCondLst>
+                <p:cond evt="onPrev" delay="0">
+                  <p:tgtEl>
+                    <p:sldTgt/>
+                  </p:tgtEl>
+                </p:cond>
+              </p:prevCondLst>
+              <p:nextCondLst>
+                <p:cond evt="onNext" delay="0">
+                  <p:tgtEl>
+                    <p:sldTgt/>
+                  </p:tgtEl>
+                </p:cond>
+              </p:nextCondLst>
+            </p:seq>
+          </p:childTnLst>
+        </p:cTn>
+      </p:par>
+    </p:tnLst>
+  </p:timing>
 </p:sld>
 </file>
 
@@ -5920,7 +6214,7 @@
           <a:p>
             <a:r>
               <a:rPr lang="de-CH" dirty="0"/>
-              <a:t>Glissando</a:t>
+              <a:t>Glissando-Effekt</a:t>
             </a:r>
           </a:p>
         </p:txBody>
@@ -6031,6 +6325,42 @@
           <a:xfrm>
             <a:off x="8301984" y="3672673"/>
             <a:ext cx="3051816" cy="2290577"/>
+          </a:xfrm>
+          <a:prstGeom prst="rect">
+            <a:avLst/>
+          </a:prstGeom>
+        </p:spPr>
+      </p:pic>
+      <p:pic>
+        <p:nvPicPr>
+          <p:cNvPr id="6" name="Grafik 5">
+            <a:extLst>
+              <a:ext uri="{FF2B5EF4-FFF2-40B4-BE49-F238E27FC236}">
+                <a16:creationId xmlns:a16="http://schemas.microsoft.com/office/drawing/2014/main" id="{31CD7961-3519-48B2-92BB-01B4258B6BA3}"/>
+              </a:ext>
+            </a:extLst>
+          </p:cNvPr>
+          <p:cNvPicPr>
+            <a:picLocks noChangeAspect="1"/>
+          </p:cNvPicPr>
+          <p:nvPr/>
+        </p:nvPicPr>
+        <p:blipFill>
+          <a:blip r:embed="rId4">
+            <a:extLst>
+              <a:ext uri="{28A0092B-C50C-407E-A947-70E740481C1C}">
+                <a14:useLocalDpi xmlns:a14="http://schemas.microsoft.com/office/drawing/2010/main" val="0"/>
+              </a:ext>
+            </a:extLst>
+          </a:blip>
+          <a:stretch>
+            <a:fillRect/>
+          </a:stretch>
+        </p:blipFill>
+        <p:spPr>
+          <a:xfrm>
+            <a:off x="441101" y="4767160"/>
+            <a:ext cx="7131384" cy="1071717"/>
           </a:xfrm>
           <a:prstGeom prst="rect">
             <a:avLst/>

--- a/Praesi/Digitales Theremin.pptx
+++ b/Praesi/Digitales Theremin.pptx
@@ -15,7 +15,7 @@
     <p:sldId id="259" r:id="rId6"/>
     <p:sldId id="271" r:id="rId7"/>
     <p:sldId id="272" r:id="rId8"/>
-    <p:sldId id="279" r:id="rId9"/>
+    <p:sldId id="282" r:id="rId9"/>
     <p:sldId id="280" r:id="rId10"/>
     <p:sldId id="275" r:id="rId11"/>
     <p:sldId id="276" r:id="rId12"/>
@@ -220,7 +220,7 @@
           <a:p>
             <a:fld id="{4F6A71F5-E6D9-4084-8738-38AAC0210A80}" type="datetimeFigureOut">
               <a:rPr lang="de-CH" smtClean="0"/>
-              <a:t>10.09.2020</a:t>
+              <a:t>11.09.2020</a:t>
             </a:fld>
             <a:endParaRPr lang="de-CH"/>
           </a:p>
@@ -1293,7 +1293,7 @@
           <a:p>
             <a:fld id="{CBF0EB22-9355-4E16-8B44-2211E8112CFE}" type="datetimeFigureOut">
               <a:rPr lang="de-CH" smtClean="0"/>
-              <a:t>10.09.2020</a:t>
+              <a:t>11.09.2020</a:t>
             </a:fld>
             <a:endParaRPr lang="de-CH"/>
           </a:p>
@@ -1493,7 +1493,7 @@
           <a:p>
             <a:fld id="{CBF0EB22-9355-4E16-8B44-2211E8112CFE}" type="datetimeFigureOut">
               <a:rPr lang="de-CH" smtClean="0"/>
-              <a:t>10.09.2020</a:t>
+              <a:t>11.09.2020</a:t>
             </a:fld>
             <a:endParaRPr lang="de-CH"/>
           </a:p>
@@ -1703,7 +1703,7 @@
           <a:p>
             <a:fld id="{CBF0EB22-9355-4E16-8B44-2211E8112CFE}" type="datetimeFigureOut">
               <a:rPr lang="de-CH" smtClean="0"/>
-              <a:t>10.09.2020</a:t>
+              <a:t>11.09.2020</a:t>
             </a:fld>
             <a:endParaRPr lang="de-CH"/>
           </a:p>
@@ -1903,7 +1903,7 @@
           <a:p>
             <a:fld id="{CBF0EB22-9355-4E16-8B44-2211E8112CFE}" type="datetimeFigureOut">
               <a:rPr lang="de-CH" smtClean="0"/>
-              <a:t>10.09.2020</a:t>
+              <a:t>11.09.2020</a:t>
             </a:fld>
             <a:endParaRPr lang="de-CH"/>
           </a:p>
@@ -2179,7 +2179,7 @@
           <a:p>
             <a:fld id="{CBF0EB22-9355-4E16-8B44-2211E8112CFE}" type="datetimeFigureOut">
               <a:rPr lang="de-CH" smtClean="0"/>
-              <a:t>10.09.2020</a:t>
+              <a:t>11.09.2020</a:t>
             </a:fld>
             <a:endParaRPr lang="de-CH"/>
           </a:p>
@@ -2447,7 +2447,7 @@
           <a:p>
             <a:fld id="{CBF0EB22-9355-4E16-8B44-2211E8112CFE}" type="datetimeFigureOut">
               <a:rPr lang="de-CH" smtClean="0"/>
-              <a:t>10.09.2020</a:t>
+              <a:t>11.09.2020</a:t>
             </a:fld>
             <a:endParaRPr lang="de-CH"/>
           </a:p>
@@ -2862,7 +2862,7 @@
           <a:p>
             <a:fld id="{CBF0EB22-9355-4E16-8B44-2211E8112CFE}" type="datetimeFigureOut">
               <a:rPr lang="de-CH" smtClean="0"/>
-              <a:t>10.09.2020</a:t>
+              <a:t>11.09.2020</a:t>
             </a:fld>
             <a:endParaRPr lang="de-CH"/>
           </a:p>
@@ -3004,7 +3004,7 @@
           <a:p>
             <a:fld id="{CBF0EB22-9355-4E16-8B44-2211E8112CFE}" type="datetimeFigureOut">
               <a:rPr lang="de-CH" smtClean="0"/>
-              <a:t>10.09.2020</a:t>
+              <a:t>11.09.2020</a:t>
             </a:fld>
             <a:endParaRPr lang="de-CH"/>
           </a:p>
@@ -3117,7 +3117,7 @@
           <a:p>
             <a:fld id="{CBF0EB22-9355-4E16-8B44-2211E8112CFE}" type="datetimeFigureOut">
               <a:rPr lang="de-CH" smtClean="0"/>
-              <a:t>10.09.2020</a:t>
+              <a:t>11.09.2020</a:t>
             </a:fld>
             <a:endParaRPr lang="de-CH"/>
           </a:p>
@@ -3430,7 +3430,7 @@
           <a:p>
             <a:fld id="{CBF0EB22-9355-4E16-8B44-2211E8112CFE}" type="datetimeFigureOut">
               <a:rPr lang="de-CH" smtClean="0"/>
-              <a:t>10.09.2020</a:t>
+              <a:t>11.09.2020</a:t>
             </a:fld>
             <a:endParaRPr lang="de-CH"/>
           </a:p>
@@ -3719,7 +3719,7 @@
           <a:p>
             <a:fld id="{CBF0EB22-9355-4E16-8B44-2211E8112CFE}" type="datetimeFigureOut">
               <a:rPr lang="de-CH" smtClean="0"/>
-              <a:t>10.09.2020</a:t>
+              <a:t>11.09.2020</a:t>
             </a:fld>
             <a:endParaRPr lang="de-CH"/>
           </a:p>
@@ -3962,7 +3962,7 @@
           <a:p>
             <a:fld id="{CBF0EB22-9355-4E16-8B44-2211E8112CFE}" type="datetimeFigureOut">
               <a:rPr lang="de-CH" smtClean="0"/>
-              <a:t>10.09.2020</a:t>
+              <a:t>11.09.2020</a:t>
             </a:fld>
             <a:endParaRPr lang="de-CH"/>
           </a:p>
@@ -5583,47 +5583,21 @@
           <a:chExt cx="0" cy="0"/>
         </a:xfrm>
       </p:grpSpPr>
-      <p:sp>
-        <p:nvSpPr>
-          <p:cNvPr id="2" name="Titel 1">
-            <a:extLst>
-              <a:ext uri="{FF2B5EF4-FFF2-40B4-BE49-F238E27FC236}">
-                <a16:creationId xmlns:a16="http://schemas.microsoft.com/office/drawing/2014/main" id="{76D9EE95-243A-47E5-A2B7-8BEA3877A768}"/>
-              </a:ext>
-            </a:extLst>
-          </p:cNvPr>
-          <p:cNvSpPr>
-            <a:spLocks noGrp="1"/>
-          </p:cNvSpPr>
-          <p:nvPr>
-            <p:ph type="title"/>
-          </p:nvPr>
-        </p:nvSpPr>
-        <p:spPr/>
-        <p:txBody>
-          <a:bodyPr/>
-          <a:lstStyle/>
-          <a:p>
-            <a:r>
-              <a:rPr lang="de-CH" dirty="0"/>
-              <a:t>Das Theremin nach P6</a:t>
-            </a:r>
-          </a:p>
-        </p:txBody>
-      </p:sp>
       <p:pic>
         <p:nvPicPr>
-          <p:cNvPr id="10" name="Grafik 9">
-            <a:extLst>
-              <a:ext uri="{FF2B5EF4-FFF2-40B4-BE49-F238E27FC236}">
-                <a16:creationId xmlns:a16="http://schemas.microsoft.com/office/drawing/2014/main" id="{9F2CD2E3-042F-4613-A6C0-1B1C99E09657}"/>
+          <p:cNvPr id="12" name="Inhaltsplatzhalter 11" descr="Ein Bild, das Spiel enthält.&#10;&#10;Automatisch generierte Beschreibung">
+            <a:extLst>
+              <a:ext uri="{FF2B5EF4-FFF2-40B4-BE49-F238E27FC236}">
+                <a16:creationId xmlns:a16="http://schemas.microsoft.com/office/drawing/2014/main" id="{98BE2A30-98FB-4105-8FEE-E24D8592DC0A}"/>
               </a:ext>
             </a:extLst>
           </p:cNvPr>
           <p:cNvPicPr>
-            <a:picLocks noChangeAspect="1"/>
+            <a:picLocks noGrp="1" noChangeAspect="1"/>
           </p:cNvPicPr>
-          <p:nvPr/>
+          <p:nvPr>
+            <p:ph idx="1"/>
+          </p:nvPr>
         </p:nvPicPr>
         <p:blipFill>
           <a:blip r:embed="rId3">
@@ -5639,73 +5613,36 @@
         </p:blipFill>
         <p:spPr>
           <a:xfrm>
-            <a:off x="838200" y="982153"/>
-            <a:ext cx="10173849" cy="14388174"/>
+            <a:off x="442788" y="-1811620"/>
+            <a:ext cx="10420681" cy="14737253"/>
           </a:xfrm>
-          <a:prstGeom prst="rect">
-            <a:avLst/>
-          </a:prstGeom>
         </p:spPr>
       </p:pic>
       <p:sp>
         <p:nvSpPr>
-          <p:cNvPr id="4" name="Inhaltsplatzhalter 2">
-            <a:extLst>
-              <a:ext uri="{FF2B5EF4-FFF2-40B4-BE49-F238E27FC236}">
-                <a16:creationId xmlns:a16="http://schemas.microsoft.com/office/drawing/2014/main" id="{7D4E7A7F-41FF-4358-9DCF-5144897C2046}"/>
-              </a:ext>
-            </a:extLst>
-          </p:cNvPr>
-          <p:cNvSpPr>
-            <a:spLocks noGrp="1"/>
-          </p:cNvSpPr>
-          <p:nvPr>
-            <p:ph idx="1"/>
-          </p:nvPr>
-        </p:nvSpPr>
-        <p:spPr>
-          <a:xfrm>
-            <a:off x="838200" y="1885680"/>
-            <a:ext cx="10515600" cy="1716228"/>
-          </a:xfrm>
-        </p:spPr>
-        <p:txBody>
-          <a:bodyPr numCol="2">
-            <a:normAutofit fontScale="92500" lnSpcReduction="20000"/>
-          </a:bodyPr>
+          <p:cNvPr id="2" name="Titel 1">
+            <a:extLst>
+              <a:ext uri="{FF2B5EF4-FFF2-40B4-BE49-F238E27FC236}">
+                <a16:creationId xmlns:a16="http://schemas.microsoft.com/office/drawing/2014/main" id="{76D9EE95-243A-47E5-A2B7-8BEA3877A768}"/>
+              </a:ext>
+            </a:extLst>
+          </p:cNvPr>
+          <p:cNvSpPr>
+            <a:spLocks noGrp="1"/>
+          </p:cNvSpPr>
+          <p:nvPr>
+            <p:ph type="title"/>
+          </p:nvPr>
+        </p:nvSpPr>
+        <p:spPr/>
+        <p:txBody>
+          <a:bodyPr/>
           <a:lstStyle/>
           <a:p>
             <a:r>
               <a:rPr lang="de-CH" dirty="0"/>
-              <a:t>Digital  				</a:t>
-            </a:r>
-          </a:p>
-          <a:p>
-            <a:r>
-              <a:rPr lang="de-CH" dirty="0"/>
-              <a:t>Bedienung über Display</a:t>
-            </a:r>
-          </a:p>
-          <a:p>
-            <a:endParaRPr lang="de-CH" dirty="0"/>
-          </a:p>
-          <a:p>
-            <a:endParaRPr lang="de-CH" dirty="0"/>
-          </a:p>
-          <a:p>
-            <a:r>
-              <a:rPr lang="de-CH" dirty="0"/>
-              <a:t>Gehäuse</a:t>
-            </a:r>
-          </a:p>
-          <a:p>
-            <a:r>
-              <a:rPr lang="de-CH" dirty="0"/>
-              <a:t>Zusatzfunktionen</a:t>
-            </a:r>
-          </a:p>
-          <a:p>
-            <a:endParaRPr lang="de-CH" dirty="0"/>
+              <a:t>Das Theremin nach P6</a:t>
+            </a:r>
           </a:p>
         </p:txBody>
       </p:sp>
@@ -6425,41 +6362,6 @@
           </a:p>
         </p:txBody>
       </p:sp>
-      <p:pic>
-        <p:nvPicPr>
-          <p:cNvPr id="5" name="Inhaltsplatzhalter 4" descr="Ein Bild, das Uhr enthält.&#10;&#10;Automatisch generierte Beschreibung">
-            <a:extLst>
-              <a:ext uri="{FF2B5EF4-FFF2-40B4-BE49-F238E27FC236}">
-                <a16:creationId xmlns:a16="http://schemas.microsoft.com/office/drawing/2014/main" id="{08281019-F05E-4CB0-AD92-0ED0725819FF}"/>
-              </a:ext>
-            </a:extLst>
-          </p:cNvPr>
-          <p:cNvPicPr>
-            <a:picLocks noGrp="1" noChangeAspect="1"/>
-          </p:cNvPicPr>
-          <p:nvPr>
-            <p:ph idx="1"/>
-          </p:nvPr>
-        </p:nvPicPr>
-        <p:blipFill>
-          <a:blip r:embed="rId2">
-            <a:extLst>
-              <a:ext uri="{28A0092B-C50C-407E-A947-70E740481C1C}">
-                <a14:useLocalDpi xmlns:a14="http://schemas.microsoft.com/office/drawing/2010/main" val="0"/>
-              </a:ext>
-            </a:extLst>
-          </a:blip>
-          <a:stretch>
-            <a:fillRect/>
-          </a:stretch>
-        </p:blipFill>
-        <p:spPr>
-          <a:xfrm>
-            <a:off x="6954479" y="1825625"/>
-            <a:ext cx="3051816" cy="2290577"/>
-          </a:xfrm>
-        </p:spPr>
-      </p:pic>
       <p:sp>
         <p:nvSpPr>
           <p:cNvPr id="6" name="Inhaltsplatzhalter 2">
@@ -6671,10 +6573,82 @@
           </a:p>
         </p:txBody>
       </p:sp>
+      <p:pic>
+        <p:nvPicPr>
+          <p:cNvPr id="8" name="Inhaltsplatzhalter 4" descr="Ein Bild, das Uhr enthält.&#10;&#10;Automatisch generierte Beschreibung">
+            <a:extLst>
+              <a:ext uri="{FF2B5EF4-FFF2-40B4-BE49-F238E27FC236}">
+                <a16:creationId xmlns:a16="http://schemas.microsoft.com/office/drawing/2014/main" id="{30D5ED2D-CB13-4504-BC32-2ED7D44CA5A4}"/>
+              </a:ext>
+            </a:extLst>
+          </p:cNvPr>
+          <p:cNvPicPr>
+            <a:picLocks noChangeAspect="1"/>
+          </p:cNvPicPr>
+          <p:nvPr/>
+        </p:nvPicPr>
+        <p:blipFill>
+          <a:blip r:embed="rId2">
+            <a:extLst>
+              <a:ext uri="{28A0092B-C50C-407E-A947-70E740481C1C}">
+                <a14:useLocalDpi xmlns:a14="http://schemas.microsoft.com/office/drawing/2010/main" val="0"/>
+              </a:ext>
+            </a:extLst>
+          </a:blip>
+          <a:stretch>
+            <a:fillRect/>
+          </a:stretch>
+        </p:blipFill>
+        <p:spPr>
+          <a:xfrm>
+            <a:off x="8301984" y="800370"/>
+            <a:ext cx="3051816" cy="2290577"/>
+          </a:xfrm>
+          <a:prstGeom prst="rect">
+            <a:avLst/>
+          </a:prstGeom>
+        </p:spPr>
+      </p:pic>
+      <p:pic>
+        <p:nvPicPr>
+          <p:cNvPr id="9" name="Grafik 8" descr="Ein Bild, das Zeichnung enthält.&#10;&#10;Automatisch generierte Beschreibung">
+            <a:extLst>
+              <a:ext uri="{FF2B5EF4-FFF2-40B4-BE49-F238E27FC236}">
+                <a16:creationId xmlns:a16="http://schemas.microsoft.com/office/drawing/2014/main" id="{3932B71F-9F44-48E6-BA55-4FDD80137A5C}"/>
+              </a:ext>
+            </a:extLst>
+          </p:cNvPr>
+          <p:cNvPicPr>
+            <a:picLocks noChangeAspect="1"/>
+          </p:cNvPicPr>
+          <p:nvPr/>
+        </p:nvPicPr>
+        <p:blipFill>
+          <a:blip r:embed="rId3">
+            <a:extLst>
+              <a:ext uri="{28A0092B-C50C-407E-A947-70E740481C1C}">
+                <a14:useLocalDpi xmlns:a14="http://schemas.microsoft.com/office/drawing/2010/main" val="0"/>
+              </a:ext>
+            </a:extLst>
+          </a:blip>
+          <a:stretch>
+            <a:fillRect/>
+          </a:stretch>
+        </p:blipFill>
+        <p:spPr>
+          <a:xfrm>
+            <a:off x="8301984" y="3685129"/>
+            <a:ext cx="3051816" cy="2290577"/>
+          </a:xfrm>
+          <a:prstGeom prst="rect">
+            <a:avLst/>
+          </a:prstGeom>
+        </p:spPr>
+      </p:pic>
     </p:spTree>
     <p:extLst>
       <p:ext uri="{BB962C8B-B14F-4D97-AF65-F5344CB8AC3E}">
-        <p14:creationId xmlns:p14="http://schemas.microsoft.com/office/powerpoint/2010/main" val="500444863"/>
+        <p14:creationId xmlns:p14="http://schemas.microsoft.com/office/powerpoint/2010/main" val="2613777296"/>
       </p:ext>
     </p:extLst>
   </p:cSld>
